--- a/PPT/My Talking Points Intro and CC Fraud cf v1-0 160222.pptx
+++ b/PPT/My Talking Points Intro and CC Fraud cf v1-0 160222.pptx
@@ -219,7 +219,7 @@
           <a:p>
             <a:fld id="{23CEAAF3-9831-450B-8D59-2C09DB96C8FC}" type="datetimeFigureOut">
               <a:rPr lang="en-US"/>
-              <a:t>2/16/2022</a:t>
+              <a:t>3/18/2022</a:t>
             </a:fld>
             <a:endParaRPr/>
           </a:p>
@@ -384,7 +384,7 @@
           <a:p>
             <a:fld id="{2D50CD79-FC16-4410-AB61-17F26E6D3BC8}" type="datetimeFigureOut">
               <a:rPr lang="en-US"/>
-              <a:t>2/16/2022</a:t>
+              <a:t>3/18/2022</a:t>
             </a:fld>
             <a:endParaRPr/>
           </a:p>
@@ -927,7 +927,7 @@
             <a:fld id="{402B9795-92DC-40DC-A1CA-9A4B349D7824}" type="datetimeFigureOut">
               <a:rPr lang="en-US" smtClean="0"/>
               <a:pPr/>
-              <a:t>2/16/2022</a:t>
+              <a:t>3/18/2022</a:t>
             </a:fld>
             <a:endParaRPr lang="en-US" dirty="0"/>
           </a:p>
@@ -1221,7 +1221,7 @@
           <a:p>
             <a:fld id="{402B9795-92DC-40DC-A1CA-9A4B349D7824}" type="datetimeFigureOut">
               <a:rPr lang="en-US"/>
-              <a:t>2/16/2022</a:t>
+              <a:t>3/18/2022</a:t>
             </a:fld>
             <a:endParaRPr/>
           </a:p>
@@ -1403,7 +1403,7 @@
           <a:p>
             <a:fld id="{402B9795-92DC-40DC-A1CA-9A4B349D7824}" type="datetimeFigureOut">
               <a:rPr lang="en-US"/>
-              <a:t>2/16/2022</a:t>
+              <a:t>3/18/2022</a:t>
             </a:fld>
             <a:endParaRPr/>
           </a:p>
@@ -1595,7 +1595,7 @@
           <a:p>
             <a:fld id="{402B9795-92DC-40DC-A1CA-9A4B349D7824}" type="datetimeFigureOut">
               <a:rPr lang="en-US"/>
-              <a:t>2/16/2022</a:t>
+              <a:t>3/18/2022</a:t>
             </a:fld>
             <a:endParaRPr/>
           </a:p>
@@ -1864,7 +1864,7 @@
           <a:p>
             <a:fld id="{402B9795-92DC-40DC-A1CA-9A4B349D7824}" type="datetimeFigureOut">
               <a:rPr lang="en-US"/>
-              <a:t>2/16/2022</a:t>
+              <a:t>3/18/2022</a:t>
             </a:fld>
             <a:endParaRPr/>
           </a:p>
@@ -2893,7 +2893,7 @@
           <a:p>
             <a:fld id="{402B9795-92DC-40DC-A1CA-9A4B349D7824}" type="datetimeFigureOut">
               <a:rPr lang="en-US"/>
-              <a:t>2/16/2022</a:t>
+              <a:t>3/18/2022</a:t>
             </a:fld>
             <a:endParaRPr/>
           </a:p>
@@ -3166,7 +3166,7 @@
           <a:p>
             <a:fld id="{402B9795-92DC-40DC-A1CA-9A4B349D7824}" type="datetimeFigureOut">
               <a:rPr lang="en-US"/>
-              <a:t>2/16/2022</a:t>
+              <a:t>3/18/2022</a:t>
             </a:fld>
             <a:endParaRPr/>
           </a:p>
@@ -3546,7 +3546,7 @@
           <a:p>
             <a:fld id="{402B9795-92DC-40DC-A1CA-9A4B349D7824}" type="datetimeFigureOut">
               <a:rPr lang="en-US"/>
-              <a:t>2/16/2022</a:t>
+              <a:t>3/18/2022</a:t>
             </a:fld>
             <a:endParaRPr/>
           </a:p>
@@ -3676,7 +3676,7 @@
           <a:p>
             <a:fld id="{402B9795-92DC-40DC-A1CA-9A4B349D7824}" type="datetimeFigureOut">
               <a:rPr lang="en-US"/>
-              <a:t>2/16/2022</a:t>
+              <a:t>3/18/2022</a:t>
             </a:fld>
             <a:endParaRPr/>
           </a:p>
@@ -3783,7 +3783,7 @@
           <a:p>
             <a:fld id="{402B9795-92DC-40DC-A1CA-9A4B349D7824}" type="datetimeFigureOut">
               <a:rPr lang="en-US"/>
-              <a:t>2/16/2022</a:t>
+              <a:t>3/18/2022</a:t>
             </a:fld>
             <a:endParaRPr/>
           </a:p>
@@ -4074,7 +4074,7 @@
           <a:p>
             <a:fld id="{402B9795-92DC-40DC-A1CA-9A4B349D7824}" type="datetimeFigureOut">
               <a:rPr lang="en-US"/>
-              <a:t>2/16/2022</a:t>
+              <a:t>3/18/2022</a:t>
             </a:fld>
             <a:endParaRPr/>
           </a:p>
@@ -4300,7 +4300,7 @@
             <a:fld id="{402B9795-92DC-40DC-A1CA-9A4B349D7824}" type="datetimeFigureOut">
               <a:rPr lang="en-US" smtClean="0"/>
               <a:pPr/>
-              <a:t>2/16/2022</a:t>
+              <a:t>3/18/2022</a:t>
             </a:fld>
             <a:endParaRPr lang="en-US"/>
           </a:p>
@@ -4971,13 +4971,13 @@
           <a:p>
             <a:r>
               <a:rPr lang="en-IE" sz="1400" dirty="0"/>
-              <a:t>Def: In the context of Data Science ‘Archival Research’ is a strategy that draws from existing stores of data, and looks to find a statistical meaning in the information in a dataset or group of datasets. This Research Onion looks at the characteristics of this research.</a:t>
+              <a:t>Def: In the context of Data Science ‘Archival Research’ is a strategy that draws from existing stores of data and looks to find a statistical meaning in the information in that dataset or group of datasets. </a:t>
             </a:r>
           </a:p>
           <a:p>
             <a:r>
               <a:rPr lang="en-IE" sz="1400" dirty="0"/>
-              <a:t>For Example; I cover later in the slide deck the use of historical bank account transaction data for fraud, research, or it could be pre-existing house price data used to predict new values.</a:t>
+              <a:t>For Example; I cover later in the slide deck the use of historical bank account transaction data for fraud research, or it could be pre-existing house price data used to predict new values. This Research Onion looks at the characteristics of this research.</a:t>
             </a:r>
           </a:p>
           <a:p>
@@ -5323,13 +5323,13 @@
   <p:clrMapOvr>
     <a:masterClrMapping/>
   </p:clrMapOvr>
-  <mc:AlternateContent xmlns:mc="http://schemas.openxmlformats.org/markup-compatibility/2006">
-    <mc:Choice xmlns:p14="http://schemas.microsoft.com/office/powerpoint/2010/main" Requires="p14">
+  <mc:AlternateContent xmlns:mc="http://schemas.openxmlformats.org/markup-compatibility/2006" xmlns:p14="http://schemas.microsoft.com/office/powerpoint/2010/main">
+    <mc:Choice Requires="p14">
       <p:transition spd="med" p14:dur="700">
         <p:fade/>
       </p:transition>
     </mc:Choice>
-    <mc:Fallback>
+    <mc:Fallback xmlns="">
       <p:transition spd="med">
         <p:fade/>
       </p:transition>
@@ -5487,13 +5487,13 @@
   <p:clrMapOvr>
     <a:masterClrMapping/>
   </p:clrMapOvr>
-  <mc:AlternateContent xmlns:mc="http://schemas.openxmlformats.org/markup-compatibility/2006">
-    <mc:Choice xmlns:p14="http://schemas.microsoft.com/office/powerpoint/2010/main" Requires="p14">
+  <mc:AlternateContent xmlns:mc="http://schemas.openxmlformats.org/markup-compatibility/2006" xmlns:p14="http://schemas.microsoft.com/office/powerpoint/2010/main">
+    <mc:Choice Requires="p14">
       <p:transition spd="med" p14:dur="700">
         <p:fade/>
       </p:transition>
     </mc:Choice>
-    <mc:Fallback>
+    <mc:Fallback xmlns="">
       <p:transition spd="med">
         <p:fade/>
       </p:transition>
@@ -7653,15 +7653,6 @@
 </file>
 
 <file path=customXml/item2.xml><?xml version="1.0" encoding="utf-8"?>
-<?mso-contentType ?>
-<FormTemplates xmlns="http://schemas.microsoft.com/sharepoint/v3/contenttype/forms">
-  <Display>DocumentLibraryForm</Display>
-  <Edit>AssetEditForm</Edit>
-  <New>DocumentLibraryForm</New>
-</FormTemplates>
-</file>
-
-<file path=customXml/item3.xml><?xml version="1.0" encoding="utf-8"?>
 <p:properties xmlns:p="http://schemas.microsoft.com/office/2006/metadata/properties" xmlns:xsi="http://www.w3.org/2001/XMLSchema-instance" xmlns:pc="http://schemas.microsoft.com/office/infopath/2007/PartnerControls">
   <documentManagement>
     <APDescription xmlns="4873beb7-5857-4685-be1f-d57550cc96cc" xsi:nil="true"/>
@@ -7787,6 +7778,15 @@
 </p:properties>
 </file>
 
+<file path=customXml/item3.xml><?xml version="1.0" encoding="utf-8"?>
+<?mso-contentType ?>
+<FormTemplates xmlns="http://schemas.microsoft.com/sharepoint/v3/contenttype/forms">
+  <Display>DocumentLibraryForm</Display>
+  <Edit>AssetEditForm</Edit>
+  <New>DocumentLibraryForm</New>
+</FormTemplates>
+</file>
+
 <file path=customXml/itemProps1.xml><?xml version="1.0" encoding="utf-8"?>
 <ds:datastoreItem xmlns:ds="http://schemas.openxmlformats.org/officeDocument/2006/customXml" ds:itemID="{28C8B9CA-0273-4370-889A-FC05DA5C2FA5}">
   <ds:schemaRefs>
@@ -7806,14 +7806,6 @@
 </file>
 
 <file path=customXml/itemProps2.xml><?xml version="1.0" encoding="utf-8"?>
-<ds:datastoreItem xmlns:ds="http://schemas.openxmlformats.org/officeDocument/2006/customXml" ds:itemID="{561E720F-F05D-4536-9C34-0CFCED65D3B7}">
-  <ds:schemaRefs>
-    <ds:schemaRef ds:uri="http://schemas.microsoft.com/sharepoint/v3/contenttype/forms"/>
-  </ds:schemaRefs>
-</ds:datastoreItem>
-</file>
-
-<file path=customXml/itemProps3.xml><?xml version="1.0" encoding="utf-8"?>
 <ds:datastoreItem xmlns:ds="http://schemas.openxmlformats.org/officeDocument/2006/customXml" ds:itemID="{8CDDBB83-77C1-4099-A0AA-289882E745E2}">
   <ds:schemaRefs>
     <ds:schemaRef ds:uri="http://purl.org/dc/elements/1.1/"/>
@@ -7827,4 +7819,12 @@
     <ds:schemaRef ds:uri="http://purl.org/dc/dcmitype/"/>
   </ds:schemaRefs>
 </ds:datastoreItem>
+</file>
+
+<file path=customXml/itemProps3.xml><?xml version="1.0" encoding="utf-8"?>
+<ds:datastoreItem xmlns:ds="http://schemas.openxmlformats.org/officeDocument/2006/customXml" ds:itemID="{561E720F-F05D-4536-9C34-0CFCED65D3B7}">
+  <ds:schemaRefs>
+    <ds:schemaRef ds:uri="http://schemas.microsoft.com/sharepoint/v3/contenttype/forms"/>
+  </ds:schemaRefs>
+</ds:datastoreItem>
 </file>